--- a/Báo cáo khóa luận tốt nghiệp.pptx
+++ b/Báo cáo khóa luận tốt nghiệp.pptx
@@ -241,7 +241,7 @@
           <a:p>
             <a:fld id="{9D8190EA-5EEC-4300-B6AE-D9734C6C648E}" type="datetimeFigureOut">
               <a:rPr lang="en-US" smtClean="0"/>
-              <a:t>7/1/2025</a:t>
+              <a:t>7/13/2025</a:t>
             </a:fld>
             <a:endParaRPr lang="en-US" dirty="0"/>
           </a:p>
@@ -418,7 +418,7 @@
           <a:p>
             <a:fld id="{7487ADD9-2083-264C-A652-8D52D02F7E72}" type="datetimeFigureOut">
               <a:rPr lang="en-US" smtClean="0"/>
-              <a:t>7/1/2025</a:t>
+              <a:t>7/13/2025</a:t>
             </a:fld>
             <a:endParaRPr lang="en-US" dirty="0"/>
           </a:p>
@@ -17118,8 +17118,8 @@
         </p:nvSpPr>
         <p:spPr>
           <a:xfrm>
-            <a:off x="1403928" y="2022764"/>
-            <a:ext cx="10039927" cy="1885901"/>
+            <a:off x="1311564" y="1699491"/>
+            <a:ext cx="10039927" cy="2439899"/>
           </a:xfrm>
           <a:prstGeom prst="rect">
             <a:avLst/>
@@ -17131,6 +17131,26 @@
             <a:spAutoFit/>
           </a:bodyPr>
           <a:lstStyle/>
+          <a:p>
+            <a:pPr>
+              <a:lnSpc>
+                <a:spcPct val="150000"/>
+              </a:lnSpc>
+            </a:pPr>
+            <a:r>
+              <a:rPr lang="en-US" sz="2400" b="1" dirty="0" err="1"/>
+              <a:t>Mục</a:t>
+            </a:r>
+            <a:r>
+              <a:rPr lang="en-US" sz="2400" b="1" dirty="0"/>
+              <a:t> </a:t>
+            </a:r>
+            <a:r>
+              <a:rPr lang="en-US" sz="2400" b="1" dirty="0" err="1"/>
+              <a:t>tiêu</a:t>
+            </a:r>
+            <a:endParaRPr lang="en-US" sz="2400" b="1" dirty="0"/>
+          </a:p>
           <a:p>
             <a:pPr marL="285750" indent="-285750">
               <a:lnSpc>
@@ -19249,6 +19269,15 @@
 </file>
 
 <file path=customXml/item1.xml><?xml version="1.0" encoding="utf-8"?>
+<?mso-contentType ?>
+<FormTemplates xmlns="http://schemas.microsoft.com/sharepoint/v3/contenttype/forms">
+  <Display>DocumentLibraryForm</Display>
+  <Edit>DocumentLibraryForm</Edit>
+  <New>DocumentLibraryForm</New>
+</FormTemplates>
+</file>
+
+<file path=customXml/item2.xml><?xml version="1.0" encoding="utf-8"?>
 <p:properties xmlns:p="http://schemas.microsoft.com/office/2006/metadata/properties" xmlns:xsi="http://www.w3.org/2001/XMLSchema-instance" xmlns:pc="http://schemas.microsoft.com/office/infopath/2007/PartnerControls">
   <documentManagement>
     <_ip_UnifiedCompliancePolicyUIAction xmlns="http://schemas.microsoft.com/sharepoint/v3" xsi:nil="true"/>
@@ -19266,15 +19295,6 @@
     <MediaServiceKeyPoints xmlns="71af3243-3dd4-4a8d-8c0d-dd76da1f02a5" xsi:nil="true"/>
   </documentManagement>
 </p:properties>
-</file>
-
-<file path=customXml/item2.xml><?xml version="1.0" encoding="utf-8"?>
-<?mso-contentType ?>
-<FormTemplates xmlns="http://schemas.microsoft.com/sharepoint/v3/contenttype/forms">
-  <Display>DocumentLibraryForm</Display>
-  <Edit>DocumentLibraryForm</Edit>
-  <New>DocumentLibraryForm</New>
-</FormTemplates>
 </file>
 
 <file path=customXml/item3.xml><?xml version="1.0" encoding="utf-8"?>
@@ -19590,6 +19610,14 @@
 </file>
 
 <file path=customXml/itemProps1.xml><?xml version="1.0" encoding="utf-8"?>
+<ds:datastoreItem xmlns:ds="http://schemas.openxmlformats.org/officeDocument/2006/customXml" ds:itemID="{45A8381C-73EB-48EA-B45F-7B7C8C7DF409}">
+  <ds:schemaRefs>
+    <ds:schemaRef ds:uri="http://schemas.microsoft.com/sharepoint/v3/contenttype/forms"/>
+  </ds:schemaRefs>
+</ds:datastoreItem>
+</file>
+
+<file path=customXml/itemProps2.xml><?xml version="1.0" encoding="utf-8"?>
 <ds:datastoreItem xmlns:ds="http://schemas.openxmlformats.org/officeDocument/2006/customXml" ds:itemID="{61E98C35-9ECE-4425-BCBA-00E118C705CE}">
   <ds:schemaRefs>
     <ds:schemaRef ds:uri="http://schemas.microsoft.com/office/2006/metadata/properties"/>
@@ -19597,14 +19625,6 @@
     <ds:schemaRef ds:uri="http://schemas.microsoft.com/sharepoint/v3"/>
     <ds:schemaRef ds:uri="71af3243-3dd4-4a8d-8c0d-dd76da1f02a5"/>
     <ds:schemaRef ds:uri="230e9df3-be65-4c73-a93b-d1236ebd677e"/>
-  </ds:schemaRefs>
-</ds:datastoreItem>
-</file>
-
-<file path=customXml/itemProps2.xml><?xml version="1.0" encoding="utf-8"?>
-<ds:datastoreItem xmlns:ds="http://schemas.openxmlformats.org/officeDocument/2006/customXml" ds:itemID="{45A8381C-73EB-48EA-B45F-7B7C8C7DF409}">
-  <ds:schemaRefs>
-    <ds:schemaRef ds:uri="http://schemas.microsoft.com/sharepoint/v3/contenttype/forms"/>
   </ds:schemaRefs>
 </ds:datastoreItem>
 </file>
